--- a/07-Vuex/vuex.pptx
+++ b/07-Vuex/vuex.pptx
@@ -278,7 +278,7 @@
           <a:p>
             <a:fld id="{55B5673A-2C76-400E-AECF-A7C5CD58B306}" type="datetimeFigureOut">
               <a:rPr lang="zh-TW" altLang="en-US" smtClean="0"/>
-              <a:t>2020/11/22</a:t>
+              <a:t>2020/11/23</a:t>
             </a:fld>
             <a:endParaRPr lang="zh-TW" altLang="en-US"/>
           </a:p>
@@ -476,7 +476,7 @@
           <a:p>
             <a:fld id="{55B5673A-2C76-400E-AECF-A7C5CD58B306}" type="datetimeFigureOut">
               <a:rPr lang="zh-TW" altLang="en-US" smtClean="0"/>
-              <a:t>2020/11/22</a:t>
+              <a:t>2020/11/23</a:t>
             </a:fld>
             <a:endParaRPr lang="zh-TW" altLang="en-US"/>
           </a:p>
@@ -684,7 +684,7 @@
           <a:p>
             <a:fld id="{55B5673A-2C76-400E-AECF-A7C5CD58B306}" type="datetimeFigureOut">
               <a:rPr lang="zh-TW" altLang="en-US" smtClean="0"/>
-              <a:t>2020/11/22</a:t>
+              <a:t>2020/11/23</a:t>
             </a:fld>
             <a:endParaRPr lang="zh-TW" altLang="en-US"/>
           </a:p>
@@ -882,7 +882,7 @@
           <a:p>
             <a:fld id="{55B5673A-2C76-400E-AECF-A7C5CD58B306}" type="datetimeFigureOut">
               <a:rPr lang="zh-TW" altLang="en-US" smtClean="0"/>
-              <a:t>2020/11/22</a:t>
+              <a:t>2020/11/23</a:t>
             </a:fld>
             <a:endParaRPr lang="zh-TW" altLang="en-US"/>
           </a:p>
@@ -1157,7 +1157,7 @@
           <a:p>
             <a:fld id="{55B5673A-2C76-400E-AECF-A7C5CD58B306}" type="datetimeFigureOut">
               <a:rPr lang="zh-TW" altLang="en-US" smtClean="0"/>
-              <a:t>2020/11/22</a:t>
+              <a:t>2020/11/23</a:t>
             </a:fld>
             <a:endParaRPr lang="zh-TW" altLang="en-US"/>
           </a:p>
@@ -1422,7 +1422,7 @@
           <a:p>
             <a:fld id="{55B5673A-2C76-400E-AECF-A7C5CD58B306}" type="datetimeFigureOut">
               <a:rPr lang="zh-TW" altLang="en-US" smtClean="0"/>
-              <a:t>2020/11/22</a:t>
+              <a:t>2020/11/23</a:t>
             </a:fld>
             <a:endParaRPr lang="zh-TW" altLang="en-US"/>
           </a:p>
@@ -1834,7 +1834,7 @@
           <a:p>
             <a:fld id="{55B5673A-2C76-400E-AECF-A7C5CD58B306}" type="datetimeFigureOut">
               <a:rPr lang="zh-TW" altLang="en-US" smtClean="0"/>
-              <a:t>2020/11/22</a:t>
+              <a:t>2020/11/23</a:t>
             </a:fld>
             <a:endParaRPr lang="zh-TW" altLang="en-US"/>
           </a:p>
@@ -1975,7 +1975,7 @@
           <a:p>
             <a:fld id="{55B5673A-2C76-400E-AECF-A7C5CD58B306}" type="datetimeFigureOut">
               <a:rPr lang="zh-TW" altLang="en-US" smtClean="0"/>
-              <a:t>2020/11/22</a:t>
+              <a:t>2020/11/23</a:t>
             </a:fld>
             <a:endParaRPr lang="zh-TW" altLang="en-US"/>
           </a:p>
@@ -2088,7 +2088,7 @@
           <a:p>
             <a:fld id="{55B5673A-2C76-400E-AECF-A7C5CD58B306}" type="datetimeFigureOut">
               <a:rPr lang="zh-TW" altLang="en-US" smtClean="0"/>
-              <a:t>2020/11/22</a:t>
+              <a:t>2020/11/23</a:t>
             </a:fld>
             <a:endParaRPr lang="zh-TW" altLang="en-US"/>
           </a:p>
@@ -2399,7 +2399,7 @@
           <a:p>
             <a:fld id="{55B5673A-2C76-400E-AECF-A7C5CD58B306}" type="datetimeFigureOut">
               <a:rPr lang="zh-TW" altLang="en-US" smtClean="0"/>
-              <a:t>2020/11/22</a:t>
+              <a:t>2020/11/23</a:t>
             </a:fld>
             <a:endParaRPr lang="zh-TW" altLang="en-US"/>
           </a:p>
@@ -2687,7 +2687,7 @@
           <a:p>
             <a:fld id="{55B5673A-2C76-400E-AECF-A7C5CD58B306}" type="datetimeFigureOut">
               <a:rPr lang="zh-TW" altLang="en-US" smtClean="0"/>
-              <a:t>2020/11/22</a:t>
+              <a:t>2020/11/23</a:t>
             </a:fld>
             <a:endParaRPr lang="zh-TW" altLang="en-US"/>
           </a:p>
@@ -2931,7 +2931,7 @@
           <a:p>
             <a:fld id="{55B5673A-2C76-400E-AECF-A7C5CD58B306}" type="datetimeFigureOut">
               <a:rPr lang="zh-TW" altLang="en-US" smtClean="0"/>
-              <a:t>2020/11/22</a:t>
+              <a:t>2020/11/23</a:t>
             </a:fld>
             <a:endParaRPr lang="zh-TW" altLang="en-US"/>
           </a:p>
@@ -4809,7 +4809,7 @@
                 <a:latin typeface="微軟正黑體" panose="020B0604030504040204" pitchFamily="34" charset="-120"/>
                 <a:ea typeface="微軟正黑體" panose="020B0604030504040204" pitchFamily="34" charset="-120"/>
               </a:rPr>
-              <a:t>如果支持的瀏覽器不支援</a:t>
+              <a:t>如果瀏覽器不支援</a:t>
             </a:r>
             <a:r>
               <a:rPr lang="en-US" altLang="zh-TW" b="0" i="0" dirty="0">
@@ -4831,29 +4831,7 @@
                 <a:latin typeface="微軟正黑體" panose="020B0604030504040204" pitchFamily="34" charset="-120"/>
                 <a:ea typeface="微軟正黑體" panose="020B0604030504040204" pitchFamily="34" charset="-120"/>
               </a:rPr>
-              <a:t>（例如</a:t>
-            </a:r>
-            <a:r>
-              <a:rPr lang="en-US" altLang="zh-TW" b="0" i="0" dirty="0">
-                <a:solidFill>
-                  <a:schemeClr val="bg1"/>
-                </a:solidFill>
-                <a:effectLst/>
-                <a:latin typeface="微軟正黑體" panose="020B0604030504040204" pitchFamily="34" charset="-120"/>
-                <a:ea typeface="微軟正黑體" panose="020B0604030504040204" pitchFamily="34" charset="-120"/>
-              </a:rPr>
-              <a:t>IE</a:t>
-            </a:r>
-            <a:r>
-              <a:rPr lang="zh-TW" altLang="en-US" b="0" i="0" dirty="0">
-                <a:solidFill>
-                  <a:schemeClr val="bg1"/>
-                </a:solidFill>
-                <a:effectLst/>
-                <a:latin typeface="微軟正黑體" panose="020B0604030504040204" pitchFamily="34" charset="-120"/>
-                <a:ea typeface="微軟正黑體" panose="020B0604030504040204" pitchFamily="34" charset="-120"/>
-              </a:rPr>
-              <a:t>），可以使用</a:t>
+              <a:t>，可以使用</a:t>
             </a:r>
             <a:r>
               <a:rPr lang="en-US" altLang="zh-TW" b="0" i="0" dirty="0" err="1">

--- a/07-Vuex/vuex.pptx
+++ b/07-Vuex/vuex.pptx
@@ -3530,8 +3530,8 @@
         </p:nvSpPr>
         <p:spPr>
           <a:xfrm>
-            <a:off x="4453713" y="3704986"/>
-            <a:ext cx="3148811" cy="369332"/>
+            <a:off x="3373666" y="3805535"/>
+            <a:ext cx="5444667" cy="461665"/>
           </a:xfrm>
           <a:prstGeom prst="rect">
             <a:avLst/>
@@ -3546,14 +3546,14 @@
           <a:p>
             <a:pPr algn="ctr"/>
             <a:r>
-              <a:rPr lang="en-US" altLang="zh-TW" dirty="0">
+              <a:rPr lang="en-US" altLang="zh-TW" sz="2400" dirty="0">
                 <a:solidFill>
                   <a:schemeClr val="bg1"/>
                 </a:solidFill>
               </a:rPr>
               <a:t>https://next.vuex.vuejs.org/</a:t>
             </a:r>
-            <a:endParaRPr lang="zh-TW" altLang="en-US" dirty="0">
+            <a:endParaRPr lang="zh-TW" altLang="en-US" sz="2400" dirty="0">
               <a:solidFill>
                 <a:schemeClr val="bg1"/>
               </a:solidFill>
@@ -3575,8 +3575,8 @@
         </p:nvSpPr>
         <p:spPr>
           <a:xfrm>
-            <a:off x="4654827" y="2935545"/>
-            <a:ext cx="2746584" cy="769441"/>
+            <a:off x="4080711" y="2882205"/>
+            <a:ext cx="3894813" cy="923330"/>
           </a:xfrm>
           <a:prstGeom prst="rect">
             <a:avLst/>
@@ -3591,7 +3591,7 @@
           <a:p>
             <a:pPr algn="ctr"/>
             <a:r>
-              <a:rPr lang="zh-TW" altLang="en-US" sz="4400" b="1" i="0" u="none" strike="noStrike" dirty="0">
+              <a:rPr lang="zh-TW" altLang="en-US" sz="5400" b="1" i="0" u="none" strike="noStrike" dirty="0">
                 <a:solidFill>
                   <a:schemeClr val="bg1"/>
                 </a:solidFill>

--- a/07-Vuex/vuex.pptx
+++ b/07-Vuex/vuex.pptx
@@ -9,10 +9,9 @@
     <p:sldId id="279" r:id="rId3"/>
     <p:sldId id="281" r:id="rId4"/>
     <p:sldId id="282" r:id="rId5"/>
-    <p:sldId id="283" r:id="rId6"/>
-    <p:sldId id="284" r:id="rId7"/>
-    <p:sldId id="285" r:id="rId8"/>
-    <p:sldId id="286" r:id="rId9"/>
+    <p:sldId id="284" r:id="rId6"/>
+    <p:sldId id="285" r:id="rId7"/>
+    <p:sldId id="286" r:id="rId8"/>
   </p:sldIdLst>
   <p:sldSz cx="12192000" cy="6858000"/>
   <p:notesSz cx="6858000" cy="9144000"/>
@@ -4167,210 +4166,6 @@
       </p:grpSpPr>
       <p:grpSp>
         <p:nvGrpSpPr>
-          <p:cNvPr id="12" name="群組 11">
-            <a:extLst>
-              <a:ext uri="{FF2B5EF4-FFF2-40B4-BE49-F238E27FC236}">
-                <a16:creationId xmlns:a16="http://schemas.microsoft.com/office/drawing/2014/main" id="{CE0B29A0-0555-42CC-AE7B-AEABBBD2CAC3}"/>
-              </a:ext>
-            </a:extLst>
-          </p:cNvPr>
-          <p:cNvGrpSpPr/>
-          <p:nvPr/>
-        </p:nvGrpSpPr>
-        <p:grpSpPr>
-          <a:xfrm>
-            <a:off x="4267201" y="2828835"/>
-            <a:ext cx="3657598" cy="1200329"/>
-            <a:chOff x="3212233" y="2321004"/>
-            <a:chExt cx="3657598" cy="1200329"/>
-          </a:xfrm>
-        </p:grpSpPr>
-        <p:sp>
-          <p:nvSpPr>
-            <p:cNvPr id="13" name="文字方塊 12">
-              <a:extLst>
-                <a:ext uri="{FF2B5EF4-FFF2-40B4-BE49-F238E27FC236}">
-                  <a16:creationId xmlns:a16="http://schemas.microsoft.com/office/drawing/2014/main" id="{00DDD401-AC45-424F-97F4-0F6DFE754927}"/>
-                </a:ext>
-              </a:extLst>
-            </p:cNvPr>
-            <p:cNvSpPr txBox="1"/>
-            <p:nvPr/>
-          </p:nvSpPr>
-          <p:spPr>
-            <a:xfrm>
-              <a:off x="3212233" y="2321004"/>
-              <a:ext cx="3657598" cy="1200329"/>
-            </a:xfrm>
-            <a:prstGeom prst="rect">
-              <a:avLst/>
-            </a:prstGeom>
-            <a:noFill/>
-          </p:spPr>
-          <p:txBody>
-            <a:bodyPr wrap="square">
-              <a:spAutoFit/>
-            </a:bodyPr>
-            <a:lstStyle/>
-            <a:p>
-              <a:r>
-                <a:rPr lang="en-US" altLang="zh-TW" sz="7200" b="0" i="0" dirty="0">
-                  <a:solidFill>
-                    <a:srgbClr val="FFFFFF"/>
-                  </a:solidFill>
-                  <a:effectLst/>
-                  <a:latin typeface="Helvetica" panose="020B0604020202020204" pitchFamily="34" charset="0"/>
-                </a:rPr>
-                <a:t>W</a:t>
-              </a:r>
-              <a:r>
-                <a:rPr lang="en-US" altLang="zh-TW" sz="3200" b="0" i="0" dirty="0">
-                  <a:solidFill>
-                    <a:srgbClr val="FFFFFF"/>
-                  </a:solidFill>
-                  <a:effectLst/>
-                  <a:latin typeface="Helvetica" panose="020B0604020202020204" pitchFamily="34" charset="0"/>
-                </a:rPr>
-                <a:t>hy use </a:t>
-              </a:r>
-              <a:r>
-                <a:rPr lang="en-US" altLang="zh-TW" sz="3200" b="0" i="0" dirty="0" err="1">
-                  <a:solidFill>
-                    <a:srgbClr val="FFFFFF"/>
-                  </a:solidFill>
-                  <a:effectLst/>
-                  <a:latin typeface="Helvetica" panose="020B0604020202020204" pitchFamily="34" charset="0"/>
-                </a:rPr>
-                <a:t>vuex</a:t>
-              </a:r>
-              <a:r>
-                <a:rPr lang="en-US" altLang="zh-TW" sz="3200" b="0" i="0" dirty="0">
-                  <a:solidFill>
-                    <a:srgbClr val="FFFFFF"/>
-                  </a:solidFill>
-                  <a:effectLst/>
-                  <a:latin typeface="Helvetica" panose="020B0604020202020204" pitchFamily="34" charset="0"/>
-                </a:rPr>
-                <a:t>?</a:t>
-              </a:r>
-              <a:endParaRPr lang="zh-TW" altLang="en-US" sz="3200" dirty="0"/>
-            </a:p>
-          </p:txBody>
-        </p:sp>
-        <p:sp>
-          <p:nvSpPr>
-            <p:cNvPr id="14" name="文字方塊 13">
-              <a:extLst>
-                <a:ext uri="{FF2B5EF4-FFF2-40B4-BE49-F238E27FC236}">
-                  <a16:creationId xmlns:a16="http://schemas.microsoft.com/office/drawing/2014/main" id="{B3FC57AD-C194-4CDC-B602-DF7C6B1651ED}"/>
-                </a:ext>
-              </a:extLst>
-            </p:cNvPr>
-            <p:cNvSpPr txBox="1"/>
-            <p:nvPr/>
-          </p:nvSpPr>
-          <p:spPr>
-            <a:xfrm>
-              <a:off x="4516149" y="2551837"/>
-              <a:ext cx="2353682" cy="369332"/>
-            </a:xfrm>
-            <a:prstGeom prst="rect">
-              <a:avLst/>
-            </a:prstGeom>
-            <a:noFill/>
-          </p:spPr>
-          <p:txBody>
-            <a:bodyPr wrap="square">
-              <a:spAutoFit/>
-            </a:bodyPr>
-            <a:lstStyle/>
-            <a:p>
-              <a:r>
-                <a:rPr lang="zh-TW" altLang="en-US" dirty="0">
-                  <a:solidFill>
-                    <a:schemeClr val="bg1"/>
-                  </a:solidFill>
-                  <a:latin typeface="微軟正黑體" panose="020B0604030504040204" pitchFamily="34" charset="-120"/>
-                  <a:ea typeface="微軟正黑體" panose="020B0604030504040204" pitchFamily="34" charset="-120"/>
-                </a:rPr>
-                <a:t>為</a:t>
-              </a:r>
-              <a:r>
-                <a:rPr lang="zh-TW" altLang="en-US" b="0" i="0" dirty="0">
-                  <a:solidFill>
-                    <a:schemeClr val="bg1"/>
-                  </a:solidFill>
-                  <a:effectLst/>
-                  <a:latin typeface="微軟正黑體" panose="020B0604030504040204" pitchFamily="34" charset="-120"/>
-                  <a:ea typeface="微軟正黑體" panose="020B0604030504040204" pitchFamily="34" charset="-120"/>
-                </a:rPr>
-                <a:t>什麼要用</a:t>
-              </a:r>
-              <a:r>
-                <a:rPr lang="en-US" altLang="zh-TW" b="0" i="0" dirty="0" err="1">
-                  <a:solidFill>
-                    <a:schemeClr val="bg1"/>
-                  </a:solidFill>
-                  <a:effectLst/>
-                  <a:latin typeface="微軟正黑體" panose="020B0604030504040204" pitchFamily="34" charset="-120"/>
-                  <a:ea typeface="微軟正黑體" panose="020B0604030504040204" pitchFamily="34" charset="-120"/>
-                </a:rPr>
-                <a:t>vuex</a:t>
-              </a:r>
-              <a:r>
-                <a:rPr lang="en-US" altLang="zh-TW" b="0" i="0" dirty="0">
-                  <a:solidFill>
-                    <a:schemeClr val="bg1"/>
-                  </a:solidFill>
-                  <a:effectLst/>
-                  <a:latin typeface="微軟正黑體" panose="020B0604030504040204" pitchFamily="34" charset="-120"/>
-                  <a:ea typeface="微軟正黑體" panose="020B0604030504040204" pitchFamily="34" charset="-120"/>
-                </a:rPr>
-                <a:t>?</a:t>
-              </a:r>
-              <a:endParaRPr lang="zh-TW" altLang="en-US" dirty="0">
-                <a:solidFill>
-                  <a:schemeClr val="bg1"/>
-                </a:solidFill>
-                <a:latin typeface="微軟正黑體" panose="020B0604030504040204" pitchFamily="34" charset="-120"/>
-                <a:ea typeface="微軟正黑體" panose="020B0604030504040204" pitchFamily="34" charset="-120"/>
-              </a:endParaRPr>
-            </a:p>
-          </p:txBody>
-        </p:sp>
-      </p:grpSp>
-    </p:spTree>
-    <p:extLst>
-      <p:ext uri="{BB962C8B-B14F-4D97-AF65-F5344CB8AC3E}">
-        <p14:creationId xmlns:p14="http://schemas.microsoft.com/office/powerpoint/2010/main" val="1868196612"/>
-      </p:ext>
-    </p:extLst>
-  </p:cSld>
-  <p:clrMapOvr>
-    <a:masterClrMapping/>
-  </p:clrMapOvr>
-</p:sld>
-</file>
-
-<file path=ppt/slides/slide6.xml><?xml version="1.0" encoding="utf-8"?>
-<p:sld xmlns:a="http://schemas.openxmlformats.org/drawingml/2006/main" xmlns:r="http://schemas.openxmlformats.org/officeDocument/2006/relationships" xmlns:p="http://schemas.openxmlformats.org/presentationml/2006/main">
-  <p:cSld>
-    <p:spTree>
-      <p:nvGrpSpPr>
-        <p:cNvPr id="1" name=""/>
-        <p:cNvGrpSpPr/>
-        <p:nvPr/>
-      </p:nvGrpSpPr>
-      <p:grpSpPr>
-        <a:xfrm>
-          <a:off x="0" y="0"/>
-          <a:ext cx="0" cy="0"/>
-          <a:chOff x="0" y="0"/>
-          <a:chExt cx="0" cy="0"/>
-        </a:xfrm>
-      </p:grpSpPr>
-      <p:grpSp>
-        <p:nvGrpSpPr>
           <p:cNvPr id="10" name="群組 9">
             <a:extLst>
               <a:ext uri="{FF2B5EF4-FFF2-40B4-BE49-F238E27FC236}">
@@ -4522,7 +4317,7 @@
 </p:sld>
 </file>
 
-<file path=ppt/slides/slide7.xml><?xml version="1.0" encoding="utf-8"?>
+<file path=ppt/slides/slide6.xml><?xml version="1.0" encoding="utf-8"?>
 <p:sld xmlns:a="http://schemas.openxmlformats.org/drawingml/2006/main" xmlns:r="http://schemas.openxmlformats.org/officeDocument/2006/relationships" xmlns:p="http://schemas.openxmlformats.org/presentationml/2006/main">
   <p:cSld>
     <p:spTree>
@@ -4710,7 +4505,7 @@
 </p:sld>
 </file>
 
-<file path=ppt/slides/slide8.xml><?xml version="1.0" encoding="utf-8"?>
+<file path=ppt/slides/slide7.xml><?xml version="1.0" encoding="utf-8"?>
 <p:sld xmlns:a="http://schemas.openxmlformats.org/drawingml/2006/main" xmlns:r="http://schemas.openxmlformats.org/officeDocument/2006/relationships" xmlns:p="http://schemas.openxmlformats.org/presentationml/2006/main">
   <p:cSld>
     <p:spTree>
